--- a/Report-File/Purposal-File/Presentation1.pptx
+++ b/Report-File/Purposal-File/Presentation1.pptx
@@ -17,12 +17,11 @@
     <p:sldId id="263" r:id="rId11"/>
     <p:sldId id="264" r:id="rId12"/>
     <p:sldId id="265" r:id="rId13"/>
-    <p:sldId id="267" r:id="rId14"/>
-    <p:sldId id="268" r:id="rId15"/>
-    <p:sldId id="269" r:id="rId16"/>
-    <p:sldId id="270" r:id="rId17"/>
-    <p:sldId id="271" r:id="rId18"/>
-    <p:sldId id="272" r:id="rId19"/>
+    <p:sldId id="268" r:id="rId14"/>
+    <p:sldId id="269" r:id="rId15"/>
+    <p:sldId id="270" r:id="rId16"/>
+    <p:sldId id="271" r:id="rId17"/>
+    <p:sldId id="272" r:id="rId18"/>
   </p:sldIdLst>
   <p:sldSz cx="12192000" cy="6858000"/>
   <p:notesSz cx="6858000" cy="9144000"/>
@@ -276,7 +275,7 @@
           <a:p>
             <a:fld id="{F1FF31E7-48B6-4060-8E98-83314165C896}" type="datetimeFigureOut">
               <a:rPr lang="en-US" smtClean="0"/>
-              <a:t>3/2/2025</a:t>
+              <a:t>3/3/2025</a:t>
             </a:fld>
             <a:endParaRPr lang="en-US"/>
           </a:p>
@@ -474,7 +473,7 @@
           <a:p>
             <a:fld id="{F1FF31E7-48B6-4060-8E98-83314165C896}" type="datetimeFigureOut">
               <a:rPr lang="en-US" smtClean="0"/>
-              <a:t>3/2/2025</a:t>
+              <a:t>3/3/2025</a:t>
             </a:fld>
             <a:endParaRPr lang="en-US"/>
           </a:p>
@@ -682,7 +681,7 @@
           <a:p>
             <a:fld id="{F1FF31E7-48B6-4060-8E98-83314165C896}" type="datetimeFigureOut">
               <a:rPr lang="en-US" smtClean="0"/>
-              <a:t>3/2/2025</a:t>
+              <a:t>3/3/2025</a:t>
             </a:fld>
             <a:endParaRPr lang="en-US"/>
           </a:p>
@@ -880,7 +879,7 @@
           <a:p>
             <a:fld id="{F1FF31E7-48B6-4060-8E98-83314165C896}" type="datetimeFigureOut">
               <a:rPr lang="en-US" smtClean="0"/>
-              <a:t>3/2/2025</a:t>
+              <a:t>3/3/2025</a:t>
             </a:fld>
             <a:endParaRPr lang="en-US"/>
           </a:p>
@@ -1155,7 +1154,7 @@
           <a:p>
             <a:fld id="{F1FF31E7-48B6-4060-8E98-83314165C896}" type="datetimeFigureOut">
               <a:rPr lang="en-US" smtClean="0"/>
-              <a:t>3/2/2025</a:t>
+              <a:t>3/3/2025</a:t>
             </a:fld>
             <a:endParaRPr lang="en-US"/>
           </a:p>
@@ -1420,7 +1419,7 @@
           <a:p>
             <a:fld id="{F1FF31E7-48B6-4060-8E98-83314165C896}" type="datetimeFigureOut">
               <a:rPr lang="en-US" smtClean="0"/>
-              <a:t>3/2/2025</a:t>
+              <a:t>3/3/2025</a:t>
             </a:fld>
             <a:endParaRPr lang="en-US"/>
           </a:p>
@@ -1832,7 +1831,7 @@
           <a:p>
             <a:fld id="{F1FF31E7-48B6-4060-8E98-83314165C896}" type="datetimeFigureOut">
               <a:rPr lang="en-US" smtClean="0"/>
-              <a:t>3/2/2025</a:t>
+              <a:t>3/3/2025</a:t>
             </a:fld>
             <a:endParaRPr lang="en-US"/>
           </a:p>
@@ -1973,7 +1972,7 @@
           <a:p>
             <a:fld id="{F1FF31E7-48B6-4060-8E98-83314165C896}" type="datetimeFigureOut">
               <a:rPr lang="en-US" smtClean="0"/>
-              <a:t>3/2/2025</a:t>
+              <a:t>3/3/2025</a:t>
             </a:fld>
             <a:endParaRPr lang="en-US"/>
           </a:p>
@@ -2086,7 +2085,7 @@
           <a:p>
             <a:fld id="{F1FF31E7-48B6-4060-8E98-83314165C896}" type="datetimeFigureOut">
               <a:rPr lang="en-US" smtClean="0"/>
-              <a:t>3/2/2025</a:t>
+              <a:t>3/3/2025</a:t>
             </a:fld>
             <a:endParaRPr lang="en-US"/>
           </a:p>
@@ -2397,7 +2396,7 @@
           <a:p>
             <a:fld id="{F1FF31E7-48B6-4060-8E98-83314165C896}" type="datetimeFigureOut">
               <a:rPr lang="en-US" smtClean="0"/>
-              <a:t>3/2/2025</a:t>
+              <a:t>3/3/2025</a:t>
             </a:fld>
             <a:endParaRPr lang="en-US"/>
           </a:p>
@@ -2685,7 +2684,7 @@
           <a:p>
             <a:fld id="{F1FF31E7-48B6-4060-8E98-83314165C896}" type="datetimeFigureOut">
               <a:rPr lang="en-US" smtClean="0"/>
-              <a:t>3/2/2025</a:t>
+              <a:t>3/3/2025</a:t>
             </a:fld>
             <a:endParaRPr lang="en-US"/>
           </a:p>
@@ -2926,7 +2925,7 @@
           <a:p>
             <a:fld id="{F1FF31E7-48B6-4060-8E98-83314165C896}" type="datetimeFigureOut">
               <a:rPr lang="en-US" smtClean="0"/>
-              <a:t>3/2/2025</a:t>
+              <a:t>3/3/2025</a:t>
             </a:fld>
             <a:endParaRPr lang="en-US"/>
           </a:p>
@@ -4822,109 +4821,21 @@
           <a:chExt cx="0" cy="0"/>
         </a:xfrm>
       </p:grpSpPr>
-      <p:sp>
+      <p:sp useBgFill="1">
         <p:nvSpPr>
-          <p:cNvPr id="2" name="Title 1">
+          <p:cNvPr id="17" name="Rectangle 16">
             <a:extLst>
               <a:ext uri="{FF2B5EF4-FFF2-40B4-BE49-F238E27FC236}">
-                <a16:creationId xmlns:a16="http://schemas.microsoft.com/office/drawing/2014/main" id="{7C6B2807-48CC-4554-61E8-4C9A242091D4}"/>
-              </a:ext>
-            </a:extLst>
-          </p:cNvPr>
-          <p:cNvSpPr>
-            <a:spLocks noGrp="1"/>
-          </p:cNvSpPr>
-          <p:nvPr>
-            <p:ph type="title"/>
-          </p:nvPr>
-        </p:nvSpPr>
-        <p:spPr>
-          <a:xfrm>
-            <a:off x="7391400" y="741391"/>
-            <a:ext cx="4495799" cy="1035675"/>
-          </a:xfrm>
-        </p:spPr>
-        <p:txBody>
-          <a:bodyPr anchor="b">
-            <a:noAutofit/>
-          </a:bodyPr>
-          <a:lstStyle/>
-          <a:p>
-            <a:r>
-              <a:rPr lang="en-US" sz="4000" dirty="0">
-                <a:effectLst/>
-                <a:latin typeface="Calibri" panose="020F0502020204030204" pitchFamily="34" charset="0"/>
-                <a:ea typeface="Calibri" panose="020F0502020204030204" pitchFamily="34" charset="0"/>
-                <a:cs typeface="Calibri" panose="020F0502020204030204" pitchFamily="34" charset="0"/>
-              </a:rPr>
-              <a:t>Data Flow Diagram</a:t>
-            </a:r>
-            <a:endParaRPr lang="en-US" sz="4000" dirty="0">
-              <a:latin typeface="Calibri" panose="020F0502020204030204" pitchFamily="34" charset="0"/>
-              <a:ea typeface="Calibri" panose="020F0502020204030204" pitchFamily="34" charset="0"/>
-              <a:cs typeface="Calibri" panose="020F0502020204030204" pitchFamily="34" charset="0"/>
-            </a:endParaRPr>
-          </a:p>
-        </p:txBody>
-      </p:sp>
-      <p:sp>
-        <p:nvSpPr>
-          <p:cNvPr id="3" name="Content Placeholder 2">
-            <a:extLst>
-              <a:ext uri="{FF2B5EF4-FFF2-40B4-BE49-F238E27FC236}">
-                <a16:creationId xmlns:a16="http://schemas.microsoft.com/office/drawing/2014/main" id="{FAAB72DC-0EF1-6CF3-19B5-972C5836542F}"/>
-              </a:ext>
-            </a:extLst>
-          </p:cNvPr>
-          <p:cNvSpPr>
-            <a:spLocks noGrp="1"/>
-          </p:cNvSpPr>
-          <p:nvPr>
-            <p:ph idx="1"/>
-          </p:nvPr>
-        </p:nvSpPr>
-        <p:spPr>
-          <a:xfrm>
-            <a:off x="7910285" y="2533476"/>
-            <a:ext cx="3443514" cy="3447832"/>
-          </a:xfrm>
-        </p:spPr>
-        <p:txBody>
-          <a:bodyPr anchor="t">
-            <a:normAutofit/>
-          </a:bodyPr>
-          <a:lstStyle/>
-          <a:p>
-            <a:pPr marL="0" indent="0">
-              <a:buNone/>
-            </a:pPr>
-            <a:r>
-              <a:rPr lang="en-US" sz="2400" dirty="0">
-                <a:effectLst/>
-                <a:latin typeface="Times New Roman" panose="02020603050405020304" pitchFamily="18" charset="0"/>
-                <a:ea typeface="Aptos" panose="020B0004020202020204" pitchFamily="34" charset="0"/>
-              </a:rPr>
-              <a:t>DFD stands for Data Flow Diagram. It's a graphical representation that illustrates how data flows through a system or process. DFDs consist of processes, data stores, data flows, and external entities. </a:t>
-            </a:r>
-            <a:endParaRPr lang="en-US" sz="2400" dirty="0"/>
-          </a:p>
-        </p:txBody>
-      </p:sp>
-      <p:grpSp>
-        <p:nvGrpSpPr>
-          <p:cNvPr id="27" name="Group 26">
-            <a:extLst>
-              <a:ext uri="{FF2B5EF4-FFF2-40B4-BE49-F238E27FC236}">
-                <a16:creationId xmlns:a16="http://schemas.microsoft.com/office/drawing/2014/main" id="{31C49F18-8757-4E87-5C2E-9D6D7B82BA3B}"/>
+                <a16:creationId xmlns:a16="http://schemas.microsoft.com/office/drawing/2014/main" id="{5AA03EDC-7067-4DFF-B672-541D016AAAB8}"/>
               </a:ext>
               <a:ext uri="{C183D7F6-B498-43B3-948B-1728B52AA6E4}">
                 <adec:decorative xmlns:adec="http://schemas.microsoft.com/office/drawing/2017/decorative" val="1"/>
               </a:ext>
             </a:extLst>
           </p:cNvPr>
-          <p:cNvGrpSpPr>
-            <a:grpSpLocks noGrp="1" noUngrp="1" noRot="1" noChangeAspect="1" noMove="1" noResize="1"/>
-          </p:cNvGrpSpPr>
+          <p:cNvSpPr>
+            <a:spLocks noGrp="1" noRot="1" noChangeAspect="1" noMove="1" noResize="1" noEditPoints="1" noAdjustHandles="1" noChangeArrowheads="1" noChangeShapeType="1" noTextEdit="1"/>
+          </p:cNvSpPr>
           <p:nvPr>
             <p:extLst>
               <p:ext uri="{386F3935-93C4-4BCD-93E2-E3B085C9AB24}">
@@ -4932,197 +4843,126 @@
               </p:ext>
             </p:extLst>
           </p:nvPr>
-        </p:nvGrpSpPr>
-        <p:grpSpPr>
+        </p:nvSpPr>
+        <p:spPr>
           <a:xfrm>
-            <a:off x="-5025" y="6737718"/>
-            <a:ext cx="12207200" cy="123363"/>
-            <a:chOff x="-5025" y="6737718"/>
-            <a:chExt cx="12207200" cy="123363"/>
+            <a:off x="0" y="0"/>
+            <a:ext cx="12192000" cy="6858000"/>
           </a:xfrm>
-        </p:grpSpPr>
-        <p:sp>
-          <p:nvSpPr>
-            <p:cNvPr id="28" name="Rectangle 27">
-              <a:extLst>
-                <a:ext uri="{FF2B5EF4-FFF2-40B4-BE49-F238E27FC236}">
-                  <a16:creationId xmlns:a16="http://schemas.microsoft.com/office/drawing/2014/main" id="{25C84D91-E5BF-B919-ACEF-4A25262CEE72}"/>
-                </a:ext>
-                <a:ext uri="{C183D7F6-B498-43B3-948B-1728B52AA6E4}">
-                  <adec:decorative xmlns:adec="http://schemas.microsoft.com/office/drawing/2017/decorative" val="1"/>
-                </a:ext>
-              </a:extLst>
-            </p:cNvPr>
-            <p:cNvSpPr/>
-            <p:nvPr>
-              <p:extLst>
-                <p:ext uri="{386F3935-93C4-4BCD-93E2-E3B085C9AB24}">
-                  <p16:designElem xmlns:p16="http://schemas.microsoft.com/office/powerpoint/2015/main" val="1"/>
-                </p:ext>
-              </p:extLst>
-            </p:nvPr>
-          </p:nvSpPr>
-          <p:spPr>
-            <a:xfrm rot="5400000" flipH="1">
-              <a:off x="6036894" y="695800"/>
-              <a:ext cx="123362" cy="12207199"/>
-            </a:xfrm>
-            <a:prstGeom prst="rect">
-              <a:avLst/>
-            </a:prstGeom>
-            <a:gradFill>
-              <a:gsLst>
-                <a:gs pos="0">
-                  <a:schemeClr val="accent5"/>
-                </a:gs>
-                <a:gs pos="100000">
-                  <a:schemeClr val="accent2"/>
-                </a:gs>
-              </a:gsLst>
-              <a:lin ang="1800000" scaled="0"/>
-            </a:gradFill>
-            <a:ln>
-              <a:noFill/>
-            </a:ln>
-          </p:spPr>
-          <p:style>
-            <a:lnRef idx="2">
-              <a:schemeClr val="accent1">
-                <a:shade val="50000"/>
-              </a:schemeClr>
-            </a:lnRef>
-            <a:fillRef idx="1">
-              <a:schemeClr val="accent1"/>
-            </a:fillRef>
-            <a:effectRef idx="0">
-              <a:schemeClr val="accent1"/>
-            </a:effectRef>
-            <a:fontRef idx="minor">
-              <a:schemeClr val="lt1"/>
-            </a:fontRef>
-          </p:style>
-          <p:txBody>
-            <a:bodyPr rtlCol="0" anchor="ctr"/>
-            <a:lstStyle/>
-            <a:p>
-              <a:pPr algn="ctr"/>
-              <a:endParaRPr lang="en-US"/>
-            </a:p>
-          </p:txBody>
-        </p:sp>
-        <p:sp>
-          <p:nvSpPr>
-            <p:cNvPr id="29" name="Rectangle 28">
-              <a:extLst>
-                <a:ext uri="{FF2B5EF4-FFF2-40B4-BE49-F238E27FC236}">
-                  <a16:creationId xmlns:a16="http://schemas.microsoft.com/office/drawing/2014/main" id="{DD889E38-27CA-E23F-B646-8D7B4BB17DBC}"/>
-                </a:ext>
-                <a:ext uri="{C183D7F6-B498-43B3-948B-1728B52AA6E4}">
-                  <adec:decorative xmlns:adec="http://schemas.microsoft.com/office/drawing/2017/decorative" val="1"/>
-                </a:ext>
-              </a:extLst>
-            </p:cNvPr>
-            <p:cNvSpPr/>
-            <p:nvPr>
-              <p:extLst>
-                <p:ext uri="{386F3935-93C4-4BCD-93E2-E3B085C9AB24}">
-                  <p16:designElem xmlns:p16="http://schemas.microsoft.com/office/powerpoint/2015/main" val="1"/>
-                </p:ext>
-              </p:extLst>
-            </p:nvPr>
-          </p:nvSpPr>
-          <p:spPr>
-            <a:xfrm rot="16200000">
-              <a:off x="9176406" y="3835311"/>
-              <a:ext cx="123362" cy="5928176"/>
-            </a:xfrm>
-            <a:prstGeom prst="rect">
-              <a:avLst/>
-            </a:prstGeom>
-            <a:gradFill>
-              <a:gsLst>
-                <a:gs pos="19000">
-                  <a:schemeClr val="accent5">
-                    <a:alpha val="0"/>
+          <a:prstGeom prst="rect">
+            <a:avLst/>
+          </a:prstGeom>
+          <a:ln w="12700" cap="flat" cmpd="sng" algn="ctr">
+            <a:noFill/>
+            <a:prstDash val="solid"/>
+            <a:miter lim="800000"/>
+          </a:ln>
+          <a:effectLst/>
+          <a:extLst>
+            <a:ext uri="{91240B29-F687-4F45-9708-019B960494DF}">
+              <a14:hiddenLine xmlns:a14="http://schemas.microsoft.com/office/drawing/2010/main" w="12700" cap="flat" cmpd="sng" algn="ctr">
+                <a:solidFill>
+                  <a:schemeClr val="accent1">
+                    <a:shade val="50000"/>
                   </a:schemeClr>
-                </a:gs>
-                <a:gs pos="100000">
-                  <a:schemeClr val="accent5">
-                    <a:lumMod val="60000"/>
-                    <a:lumOff val="40000"/>
-                  </a:schemeClr>
-                </a:gs>
-              </a:gsLst>
-              <a:lin ang="600000" scaled="0"/>
-            </a:gradFill>
-            <a:ln>
-              <a:noFill/>
-            </a:ln>
-          </p:spPr>
-          <p:style>
-            <a:lnRef idx="2">
-              <a:schemeClr val="accent1">
-                <a:shade val="50000"/>
-              </a:schemeClr>
-            </a:lnRef>
-            <a:fillRef idx="1">
-              <a:schemeClr val="accent1"/>
-            </a:fillRef>
-            <a:effectRef idx="0">
-              <a:schemeClr val="accent1"/>
-            </a:effectRef>
-            <a:fontRef idx="minor">
-              <a:schemeClr val="lt1"/>
-            </a:fontRef>
-          </p:style>
-          <p:txBody>
-            <a:bodyPr rtlCol="0" anchor="ctr"/>
-            <a:lstStyle/>
-            <a:p>
-              <a:pPr algn="ctr"/>
-              <a:endParaRPr lang="en-US"/>
-            </a:p>
-          </p:txBody>
-        </p:sp>
-      </p:grpSp>
-    </p:spTree>
-    <p:extLst>
-      <p:ext uri="{BB962C8B-B14F-4D97-AF65-F5344CB8AC3E}">
-        <p14:creationId xmlns:p14="http://schemas.microsoft.com/office/powerpoint/2010/main" val="2212412353"/>
-      </p:ext>
-    </p:extLst>
-  </p:cSld>
-  <p:clrMapOvr>
-    <a:masterClrMapping/>
-  </p:clrMapOvr>
-</p:sld>
-</file>
-
-<file path=ppt/slides/slide14.xml><?xml version="1.0" encoding="utf-8"?>
-<p:sld xmlns:a="http://schemas.openxmlformats.org/drawingml/2006/main" xmlns:r="http://schemas.openxmlformats.org/officeDocument/2006/relationships" xmlns:p="http://schemas.openxmlformats.org/presentationml/2006/main">
-  <p:cSld>
-    <p:bg>
-      <p:bgPr>
-        <a:solidFill>
-          <a:schemeClr val="bg1"/>
-        </a:solidFill>
-        <a:effectLst/>
-      </p:bgPr>
-    </p:bg>
-    <p:spTree>
-      <p:nvGrpSpPr>
-        <p:cNvPr id="1" name=""/>
-        <p:cNvGrpSpPr/>
-        <p:nvPr/>
-      </p:nvGrpSpPr>
-      <p:grpSpPr>
-        <a:xfrm>
-          <a:off x="0" y="0"/>
-          <a:ext cx="0" cy="0"/>
-          <a:chOff x="0" y="0"/>
-          <a:chExt cx="0" cy="0"/>
-        </a:xfrm>
-      </p:grpSpPr>
+                </a:solidFill>
+                <a:prstDash val="solid"/>
+                <a:miter lim="800000"/>
+              </a14:hiddenLine>
+            </a:ext>
+          </a:extLst>
+        </p:spPr>
+        <p:style>
+          <a:lnRef idx="2">
+            <a:schemeClr val="accent1">
+              <a:shade val="50000"/>
+            </a:schemeClr>
+          </a:lnRef>
+          <a:fillRef idx="1">
+            <a:schemeClr val="accent1"/>
+          </a:fillRef>
+          <a:effectRef idx="0">
+            <a:schemeClr val="accent1"/>
+          </a:effectRef>
+          <a:fontRef idx="minor">
+            <a:schemeClr val="lt1"/>
+          </a:fontRef>
+        </p:style>
+        <p:txBody>
+          <a:bodyPr rtlCol="0" anchor="ctr"/>
+          <a:lstStyle/>
+          <a:p>
+            <a:pPr algn="ctr"/>
+            <a:endParaRPr lang="en-US"/>
+          </a:p>
+        </p:txBody>
+      </p:sp>
+      <p:sp>
+        <p:nvSpPr>
+          <p:cNvPr id="19" name="Rectangle 18">
+            <a:extLst>
+              <a:ext uri="{FF2B5EF4-FFF2-40B4-BE49-F238E27FC236}">
+                <a16:creationId xmlns:a16="http://schemas.microsoft.com/office/drawing/2014/main" id="{0EBF3E39-B0BE-496A-8604-9007470FFA3A}"/>
+              </a:ext>
+              <a:ext uri="{C183D7F6-B498-43B3-948B-1728B52AA6E4}">
+                <adec:decorative xmlns:adec="http://schemas.microsoft.com/office/drawing/2017/decorative" val="1"/>
+              </a:ext>
+            </a:extLst>
+          </p:cNvPr>
+          <p:cNvSpPr>
+            <a:spLocks noGrp="1" noRot="1" noChangeAspect="1" noMove="1" noResize="1" noEditPoints="1" noAdjustHandles="1" noChangeArrowheads="1" noChangeShapeType="1" noTextEdit="1"/>
+          </p:cNvSpPr>
+          <p:nvPr>
+            <p:extLst>
+              <p:ext uri="{386F3935-93C4-4BCD-93E2-E3B085C9AB24}">
+                <p16:designElem xmlns:p16="http://schemas.microsoft.com/office/powerpoint/2015/main" val="1"/>
+              </p:ext>
+            </p:extLst>
+          </p:nvPr>
+        </p:nvSpPr>
+        <p:spPr>
+          <a:xfrm>
+            <a:off x="0" y="0"/>
+            <a:ext cx="6096000" cy="6865473"/>
+          </a:xfrm>
+          <a:prstGeom prst="rect">
+            <a:avLst/>
+          </a:prstGeom>
+          <a:solidFill>
+            <a:schemeClr val="accent2">
+              <a:lumMod val="20000"/>
+              <a:lumOff val="80000"/>
+            </a:schemeClr>
+          </a:solidFill>
+          <a:ln>
+            <a:noFill/>
+          </a:ln>
+        </p:spPr>
+        <p:style>
+          <a:lnRef idx="2">
+            <a:schemeClr val="accent1">
+              <a:shade val="50000"/>
+            </a:schemeClr>
+          </a:lnRef>
+          <a:fillRef idx="1">
+            <a:schemeClr val="accent1"/>
+          </a:fillRef>
+          <a:effectRef idx="0">
+            <a:schemeClr val="accent1"/>
+          </a:effectRef>
+          <a:fontRef idx="minor">
+            <a:schemeClr val="lt1"/>
+          </a:fontRef>
+        </p:style>
+        <p:txBody>
+          <a:bodyPr rtlCol="0" anchor="ctr"/>
+          <a:lstStyle/>
+          <a:p>
+            <a:pPr algn="ctr"/>
+            <a:endParaRPr lang="en-US"/>
+          </a:p>
+        </p:txBody>
+      </p:sp>
       <p:sp>
         <p:nvSpPr>
           <p:cNvPr id="2" name="Title 1">
@@ -5141,8 +4981,8 @@
         </p:nvSpPr>
         <p:spPr>
           <a:xfrm>
-            <a:off x="327335" y="972945"/>
-            <a:ext cx="4110979" cy="1020032"/>
+            <a:off x="871442" y="685800"/>
+            <a:ext cx="4353116" cy="1474666"/>
           </a:xfrm>
         </p:spPr>
         <p:txBody>
@@ -5151,8 +4991,12 @@
           </a:bodyPr>
           <a:lstStyle/>
           <a:p>
+            <a:pPr algn="ctr"/>
             <a:r>
-              <a:rPr lang="en-US" sz="4000" b="1" dirty="0">
+              <a:rPr lang="en-US" sz="3200" b="1">
+                <a:solidFill>
+                  <a:srgbClr val="595959"/>
+                </a:solidFill>
                 <a:latin typeface="Calibri" panose="020F0502020204030204" pitchFamily="34" charset="0"/>
                 <a:ea typeface="Calibri" panose="020F0502020204030204" pitchFamily="34" charset="0"/>
                 <a:cs typeface="Calibri" panose="020F0502020204030204" pitchFamily="34" charset="0"/>
@@ -5180,13 +5024,13 @@
         </p:nvSpPr>
         <p:spPr>
           <a:xfrm>
-            <a:off x="433137" y="2533476"/>
-            <a:ext cx="3899377" cy="3655568"/>
+            <a:off x="871442" y="2447337"/>
+            <a:ext cx="4353116" cy="3770434"/>
           </a:xfrm>
         </p:spPr>
         <p:txBody>
           <a:bodyPr anchor="t">
-            <a:normAutofit fontScale="92500"/>
+            <a:normAutofit/>
           </a:bodyPr>
           <a:lstStyle/>
           <a:p>
@@ -5194,7 +5038,10 @@
               <a:buNone/>
             </a:pPr>
             <a:r>
-              <a:rPr lang="en-US" sz="2600" dirty="0">
+              <a:rPr lang="en-US" sz="2000">
+                <a:solidFill>
+                  <a:srgbClr val="595959"/>
+                </a:solidFill>
                 <a:effectLst/>
                 <a:latin typeface="Times New Roman" panose="02020603050405020304" pitchFamily="18" charset="0"/>
                 <a:ea typeface="Aptos" panose="020B0004020202020204" pitchFamily="34" charset="0"/>
@@ -5206,7 +5053,10 @@
             <a:pPr marL="0" indent="0">
               <a:buNone/>
             </a:pPr>
-            <a:endParaRPr lang="en-US" sz="2000" dirty="0">
+            <a:endParaRPr lang="en-US" sz="2000">
+              <a:solidFill>
+                <a:srgbClr val="595959"/>
+              </a:solidFill>
               <a:latin typeface="Times New Roman" panose="02020603050405020304" pitchFamily="18" charset="0"/>
               <a:ea typeface="Aptos" panose="020B0004020202020204" pitchFamily="34" charset="0"/>
             </a:endParaRPr>
@@ -5216,194 +5066,60 @@
               <a:buNone/>
             </a:pPr>
             <a:r>
-              <a:rPr lang="en-US" sz="2000" dirty="0">
+              <a:rPr lang="en-US" sz="2000">
+                <a:solidFill>
+                  <a:srgbClr val="595959"/>
+                </a:solidFill>
                 <a:effectLst/>
                 <a:latin typeface="Times New Roman" panose="02020603050405020304" pitchFamily="18" charset="0"/>
                 <a:ea typeface="Aptos" panose="020B0004020202020204" pitchFamily="34" charset="0"/>
               </a:rPr>
               <a:t>. </a:t>
             </a:r>
-            <a:endParaRPr lang="en-US" sz="2000" dirty="0"/>
+            <a:endParaRPr lang="en-US" sz="2000">
+              <a:solidFill>
+                <a:srgbClr val="595959"/>
+              </a:solidFill>
+            </a:endParaRPr>
           </a:p>
         </p:txBody>
       </p:sp>
-      <p:grpSp>
-        <p:nvGrpSpPr>
-          <p:cNvPr id="10" name="Group 9">
+      <p:pic>
+        <p:nvPicPr>
+          <p:cNvPr id="5" name="Picture 4" descr="A diagram of a course&#10;&#10;AI-generated content may be incorrect.">
             <a:extLst>
               <a:ext uri="{FF2B5EF4-FFF2-40B4-BE49-F238E27FC236}">
-                <a16:creationId xmlns:a16="http://schemas.microsoft.com/office/drawing/2014/main" id="{6258F736-B256-8039-9DC6-F4E49A5C5AD5}"/>
-              </a:ext>
-              <a:ext uri="{C183D7F6-B498-43B3-948B-1728B52AA6E4}">
-                <adec:decorative xmlns:adec="http://schemas.microsoft.com/office/drawing/2017/decorative" val="1"/>
+                <a16:creationId xmlns:a16="http://schemas.microsoft.com/office/drawing/2014/main" id="{9429C31F-35E0-2B20-741C-4BE23894E468}"/>
               </a:ext>
             </a:extLst>
           </p:cNvPr>
-          <p:cNvGrpSpPr>
-            <a:grpSpLocks noGrp="1" noUngrp="1" noRot="1" noChangeAspect="1" noMove="1" noResize="1"/>
-          </p:cNvGrpSpPr>
-          <p:nvPr>
-            <p:extLst>
-              <p:ext uri="{386F3935-93C4-4BCD-93E2-E3B085C9AB24}">
-                <p16:designElem xmlns:p16="http://schemas.microsoft.com/office/powerpoint/2015/main" val="1"/>
-              </p:ext>
-            </p:extLst>
-          </p:nvPr>
-        </p:nvGrpSpPr>
-        <p:grpSpPr>
-          <a:xfrm flipH="1">
-            <a:off x="12068638" y="0"/>
-            <a:ext cx="123362" cy="6858000"/>
-            <a:chOff x="12068638" y="0"/>
-            <a:chExt cx="123362" cy="6858000"/>
+          <p:cNvPicPr>
+            <a:picLocks noChangeAspect="1"/>
+          </p:cNvPicPr>
+          <p:nvPr/>
+        </p:nvPicPr>
+        <p:blipFill>
+          <a:blip r:embed="rId2">
+            <a:extLst>
+              <a:ext uri="{28A0092B-C50C-407E-A947-70E740481C1C}">
+                <a14:useLocalDpi xmlns:a14="http://schemas.microsoft.com/office/drawing/2010/main" val="0"/>
+              </a:ext>
+            </a:extLst>
+          </a:blip>
+          <a:stretch>
+            <a:fillRect/>
+          </a:stretch>
+        </p:blipFill>
+        <p:spPr>
+          <a:xfrm>
+            <a:off x="6781801" y="718420"/>
+            <a:ext cx="4797056" cy="5466730"/>
           </a:xfrm>
-        </p:grpSpPr>
-        <p:sp>
-          <p:nvSpPr>
-            <p:cNvPr id="11" name="Rectangle 10">
-              <a:extLst>
-                <a:ext uri="{FF2B5EF4-FFF2-40B4-BE49-F238E27FC236}">
-                  <a16:creationId xmlns:a16="http://schemas.microsoft.com/office/drawing/2014/main" id="{10B4520A-996E-330C-99DA-69CA4D89E906}"/>
-                </a:ext>
-                <a:ext uri="{C183D7F6-B498-43B3-948B-1728B52AA6E4}">
-                  <adec:decorative xmlns:adec="http://schemas.microsoft.com/office/drawing/2017/decorative" val="1"/>
-                </a:ext>
-              </a:extLst>
-            </p:cNvPr>
-            <p:cNvSpPr/>
-            <p:nvPr>
-              <p:extLst>
-                <p:ext uri="{386F3935-93C4-4BCD-93E2-E3B085C9AB24}">
-                  <p16:designElem xmlns:p16="http://schemas.microsoft.com/office/powerpoint/2015/main" val="1"/>
-                </p:ext>
-              </p:extLst>
-            </p:nvPr>
-          </p:nvSpPr>
-          <p:spPr>
-            <a:xfrm>
-              <a:off x="12068638" y="0"/>
-              <a:ext cx="123362" cy="6858000"/>
-            </a:xfrm>
-            <a:prstGeom prst="rect">
-              <a:avLst/>
-            </a:prstGeom>
-            <a:gradFill>
-              <a:gsLst>
-                <a:gs pos="0">
-                  <a:schemeClr val="accent2"/>
-                </a:gs>
-                <a:gs pos="100000">
-                  <a:schemeClr val="accent5"/>
-                </a:gs>
-              </a:gsLst>
-              <a:lin ang="1800000" scaled="0"/>
-            </a:gradFill>
-            <a:ln>
-              <a:noFill/>
-            </a:ln>
-          </p:spPr>
-          <p:style>
-            <a:lnRef idx="2">
-              <a:schemeClr val="accent1">
-                <a:shade val="50000"/>
-              </a:schemeClr>
-            </a:lnRef>
-            <a:fillRef idx="1">
-              <a:schemeClr val="accent1"/>
-            </a:fillRef>
-            <a:effectRef idx="0">
-              <a:schemeClr val="accent1"/>
-            </a:effectRef>
-            <a:fontRef idx="minor">
-              <a:schemeClr val="lt1"/>
-            </a:fontRef>
-          </p:style>
-          <p:txBody>
-            <a:bodyPr rtlCol="0" anchor="ctr"/>
-            <a:lstStyle/>
-            <a:p>
-              <a:pPr algn="ctr"/>
-              <a:endParaRPr lang="en-US"/>
-            </a:p>
-          </p:txBody>
-        </p:sp>
-        <p:sp>
-          <p:nvSpPr>
-            <p:cNvPr id="12" name="Rectangle 11">
-              <a:extLst>
-                <a:ext uri="{FF2B5EF4-FFF2-40B4-BE49-F238E27FC236}">
-                  <a16:creationId xmlns:a16="http://schemas.microsoft.com/office/drawing/2014/main" id="{EC8FA945-E356-695F-18D6-CAD4EF34FE4A}"/>
-                </a:ext>
-                <a:ext uri="{C183D7F6-B498-43B3-948B-1728B52AA6E4}">
-                  <adec:decorative xmlns:adec="http://schemas.microsoft.com/office/drawing/2017/decorative" val="1"/>
-                </a:ext>
-              </a:extLst>
-            </p:cNvPr>
-            <p:cNvSpPr/>
-            <p:nvPr>
-              <p:extLst>
-                <p:ext uri="{386F3935-93C4-4BCD-93E2-E3B085C9AB24}">
-                  <p16:designElem xmlns:p16="http://schemas.microsoft.com/office/powerpoint/2015/main" val="1"/>
-                </p:ext>
-              </p:extLst>
-            </p:nvPr>
-          </p:nvSpPr>
-          <p:spPr>
-            <a:xfrm>
-              <a:off x="12068638" y="3527553"/>
-              <a:ext cx="123362" cy="3330447"/>
-            </a:xfrm>
-            <a:prstGeom prst="rect">
-              <a:avLst/>
-            </a:prstGeom>
-            <a:gradFill>
-              <a:gsLst>
-                <a:gs pos="19000">
-                  <a:schemeClr val="accent5">
-                    <a:lumMod val="60000"/>
-                    <a:lumOff val="40000"/>
-                    <a:alpha val="0"/>
-                  </a:schemeClr>
-                </a:gs>
-                <a:gs pos="100000">
-                  <a:schemeClr val="accent5">
-                    <a:lumMod val="60000"/>
-                    <a:lumOff val="40000"/>
-                  </a:schemeClr>
-                </a:gs>
-              </a:gsLst>
-              <a:lin ang="600000" scaled="0"/>
-            </a:gradFill>
-            <a:ln>
-              <a:noFill/>
-            </a:ln>
-          </p:spPr>
-          <p:style>
-            <a:lnRef idx="2">
-              <a:schemeClr val="accent1">
-                <a:shade val="50000"/>
-              </a:schemeClr>
-            </a:lnRef>
-            <a:fillRef idx="1">
-              <a:schemeClr val="accent1"/>
-            </a:fillRef>
-            <a:effectRef idx="0">
-              <a:schemeClr val="accent1"/>
-            </a:effectRef>
-            <a:fontRef idx="minor">
-              <a:schemeClr val="lt1"/>
-            </a:fontRef>
-          </p:style>
-          <p:txBody>
-            <a:bodyPr rtlCol="0" anchor="ctr"/>
-            <a:lstStyle/>
-            <a:p>
-              <a:pPr algn="ctr"/>
-              <a:endParaRPr lang="en-US"/>
-            </a:p>
-          </p:txBody>
-        </p:sp>
-      </p:grpSp>
+          <a:prstGeom prst="rect">
+            <a:avLst/>
+          </a:prstGeom>
+        </p:spPr>
+      </p:pic>
     </p:spTree>
     <p:extLst>
       <p:ext uri="{BB962C8B-B14F-4D97-AF65-F5344CB8AC3E}">
@@ -5417,7 +5133,7 @@
 </p:sld>
 </file>
 
-<file path=ppt/slides/slide15.xml><?xml version="1.0" encoding="utf-8"?>
+<file path=ppt/slides/slide14.xml><?xml version="1.0" encoding="utf-8"?>
 <p:sld xmlns:a="http://schemas.openxmlformats.org/drawingml/2006/main" xmlns:r="http://schemas.openxmlformats.org/officeDocument/2006/relationships" xmlns:p="http://schemas.openxmlformats.org/presentationml/2006/main">
   <p:cSld>
     <p:spTree>
@@ -5569,7 +5285,7 @@
 </p:sld>
 </file>
 
-<file path=ppt/slides/slide16.xml><?xml version="1.0" encoding="utf-8"?>
+<file path=ppt/slides/slide15.xml><?xml version="1.0" encoding="utf-8"?>
 <p:sld xmlns:a="http://schemas.openxmlformats.org/drawingml/2006/main" xmlns:r="http://schemas.openxmlformats.org/officeDocument/2006/relationships" xmlns:p="http://schemas.openxmlformats.org/presentationml/2006/main">
   <p:cSld>
     <p:bg>
@@ -8754,7 +8470,7 @@
 </p:sld>
 </file>
 
-<file path=ppt/slides/slide17.xml><?xml version="1.0" encoding="utf-8"?>
+<file path=ppt/slides/slide16.xml><?xml version="1.0" encoding="utf-8"?>
 <p:sld xmlns:a="http://schemas.openxmlformats.org/drawingml/2006/main" xmlns:r="http://schemas.openxmlformats.org/officeDocument/2006/relationships" xmlns:p="http://schemas.openxmlformats.org/presentationml/2006/main">
   <p:cSld>
     <p:bg>
@@ -9583,7 +9299,7 @@
 </p:sld>
 </file>
 
-<file path=ppt/slides/slide18.xml><?xml version="1.0" encoding="utf-8"?>
+<file path=ppt/slides/slide17.xml><?xml version="1.0" encoding="utf-8"?>
 <p:sld xmlns:a="http://schemas.openxmlformats.org/drawingml/2006/main" xmlns:r="http://schemas.openxmlformats.org/officeDocument/2006/relationships" xmlns:p="http://schemas.openxmlformats.org/presentationml/2006/main">
   <p:cSld>
     <p:bg>
@@ -11521,8 +11237,8 @@
         </p:nvSpPr>
         <p:spPr>
           <a:xfrm>
-            <a:off x="6823878" y="2533476"/>
-            <a:ext cx="4491820" cy="3447832"/>
+            <a:off x="6823878" y="2533475"/>
+            <a:ext cx="4491820" cy="4041495"/>
           </a:xfrm>
         </p:spPr>
         <p:txBody>
@@ -11541,7 +11257,7 @@
               <a:buNone/>
             </a:pPr>
             <a:r>
-              <a:rPr lang="en-US" sz="2000" b="1" kern="100">
+              <a:rPr lang="en-US" sz="2400" b="1" kern="100" dirty="0">
                 <a:effectLst/>
                 <a:latin typeface="Times New Roman" panose="02020603050405020304" pitchFamily="18" charset="0"/>
                 <a:ea typeface="Times New Roman" panose="02020603050405020304" pitchFamily="18" charset="0"/>
@@ -11560,7 +11276,7 @@
               </a:spcAft>
             </a:pPr>
             <a:br>
-              <a:rPr lang="en-US" sz="2000" b="1" kern="100">
+              <a:rPr lang="en-US" sz="2400" b="1" kern="100" dirty="0">
                 <a:effectLst/>
                 <a:latin typeface="Times New Roman" panose="02020603050405020304" pitchFamily="18" charset="0"/>
                 <a:ea typeface="Times New Roman" panose="02020603050405020304" pitchFamily="18" charset="0"/>
@@ -11568,7 +11284,7 @@
               </a:rPr>
             </a:br>
             <a:r>
-              <a:rPr lang="en-US" sz="2000" b="1" kern="100">
+              <a:rPr lang="en-US" sz="2400" kern="100" dirty="0">
                 <a:effectLst/>
                 <a:latin typeface="Times New Roman" panose="02020603050405020304" pitchFamily="18" charset="0"/>
                 <a:ea typeface="Times New Roman" panose="02020603050405020304" pitchFamily="18" charset="0"/>
@@ -11587,7 +11303,7 @@
               </a:spcAft>
             </a:pPr>
             <a:r>
-              <a:rPr lang="en-US" sz="2000" b="1" kern="100">
+              <a:rPr lang="en-US" sz="2400" kern="100" dirty="0">
                 <a:effectLst/>
                 <a:latin typeface="Times New Roman" panose="02020603050405020304" pitchFamily="18" charset="0"/>
                 <a:ea typeface="Times New Roman" panose="02020603050405020304" pitchFamily="18" charset="0"/>
@@ -11606,7 +11322,7 @@
               </a:spcAft>
             </a:pPr>
             <a:r>
-              <a:rPr lang="en-US" sz="2000" b="1" kern="100">
+              <a:rPr lang="en-US" sz="2400" kern="100" dirty="0">
                 <a:effectLst/>
                 <a:latin typeface="Times New Roman" panose="02020603050405020304" pitchFamily="18" charset="0"/>
                 <a:ea typeface="Times New Roman" panose="02020603050405020304" pitchFamily="18" charset="0"/>
@@ -11616,7 +11332,7 @@
             </a:r>
           </a:p>
           <a:p>
-            <a:endParaRPr lang="en-US" sz="2000"/>
+            <a:endParaRPr lang="en-US" sz="2400" dirty="0"/>
           </a:p>
         </p:txBody>
       </p:sp>
